--- a/presentation_P5.pptx
+++ b/presentation_P5.pptx
@@ -2756,7 +2756,7 @@
         <a:p>
           <a:r>
             <a:rPr lang="fr-FR" dirty="0"/>
-            <a:t>Mettre à jour et compléter mes connaissances en PHP, MVC et POO</a:t>
+            <a:t>PHP, MVC et POO</a:t>
           </a:r>
         </a:p>
       </dgm:t>
@@ -3184,6 +3184,42 @@
         </a:p>
       </dgm:t>
     </dgm:pt>
+    <dgm:pt modelId="{38A5E32E-F468-4FA2-A8AE-1F8DFBB7A9BA}">
+      <dgm:prSet phldrT="[Texte]"/>
+      <dgm:spPr/>
+      <dgm:t>
+        <a:bodyPr/>
+        <a:lstStyle/>
+        <a:p>
+          <a:r>
+            <a:rPr lang="fr-FR" dirty="0"/>
+            <a:t>Failles de sécurité</a:t>
+          </a:r>
+        </a:p>
+      </dgm:t>
+    </dgm:pt>
+    <dgm:pt modelId="{5A7CDFBB-1057-437D-82FA-64AE3F48142A}" type="parTrans" cxnId="{23824EB4-0E8F-4B47-90E2-F1CAD06B7FF3}">
+      <dgm:prSet/>
+      <dgm:spPr/>
+      <dgm:t>
+        <a:bodyPr/>
+        <a:lstStyle/>
+        <a:p>
+          <a:endParaRPr lang="fr-FR"/>
+        </a:p>
+      </dgm:t>
+    </dgm:pt>
+    <dgm:pt modelId="{5F148F50-A060-4910-B50E-63B9729FB2ED}" type="sibTrans" cxnId="{23824EB4-0E8F-4B47-90E2-F1CAD06B7FF3}">
+      <dgm:prSet/>
+      <dgm:spPr/>
+      <dgm:t>
+        <a:bodyPr/>
+        <a:lstStyle/>
+        <a:p>
+          <a:endParaRPr lang="fr-FR"/>
+        </a:p>
+      </dgm:t>
+    </dgm:pt>
     <dgm:pt modelId="{0B3E907A-2D9C-4B6E-A9AD-BEB91203E7DA}" type="pres">
       <dgm:prSet presAssocID="{2A036A24-321C-4F3A-9A2B-839FA87CDA4C}" presName="Name0" presStyleCnt="0">
         <dgm:presLayoutVars>
@@ -3374,6 +3410,7 @@
     <dgm:cxn modelId="{E21BEA0A-77AE-4067-BB87-DDDD565169E4}" type="presOf" srcId="{82B38AE6-59B0-42C6-849E-81B64E18EAC8}" destId="{7652D328-612D-44C7-989E-367FA8BDE8A3}" srcOrd="1" destOrd="0" presId="urn:microsoft.com/office/officeart/2005/8/layout/hProcess4"/>
     <dgm:cxn modelId="{8E964E11-0565-4B41-AEFA-E663AC8465ED}" type="presOf" srcId="{100C636F-696A-4DFD-A28B-6FA8658A3046}" destId="{B8647EEA-39BD-4857-8456-67D21002F859}" srcOrd="0" destOrd="0" presId="urn:microsoft.com/office/officeart/2005/8/layout/hProcess4"/>
     <dgm:cxn modelId="{15663315-BE12-4E71-9A03-F59167D0D97C}" type="presOf" srcId="{2A036A24-321C-4F3A-9A2B-839FA87CDA4C}" destId="{0B3E907A-2D9C-4B6E-A9AD-BEB91203E7DA}" srcOrd="0" destOrd="0" presId="urn:microsoft.com/office/officeart/2005/8/layout/hProcess4"/>
+    <dgm:cxn modelId="{D2AA7B17-966E-4E10-BDB4-A36472CBF40C}" type="presOf" srcId="{38A5E32E-F468-4FA2-A8AE-1F8DFBB7A9BA}" destId="{7652D328-612D-44C7-989E-367FA8BDE8A3}" srcOrd="1" destOrd="2" presId="urn:microsoft.com/office/officeart/2005/8/layout/hProcess4"/>
     <dgm:cxn modelId="{F3A33118-7DAF-4B98-8441-9261EBA6921B}" type="presOf" srcId="{DBE2B8BE-E0DB-406C-9073-5DA360062624}" destId="{703BE6AD-4D3E-4B9A-B77F-53F5C00E3AB3}" srcOrd="0" destOrd="0" presId="urn:microsoft.com/office/officeart/2005/8/layout/hProcess4"/>
     <dgm:cxn modelId="{C5B4DC28-620E-44C3-BC92-76A81FE3E09A}" type="presOf" srcId="{3A8F7025-4CC0-46AB-9538-4B25C43DC018}" destId="{C862DD54-8E31-44D0-911C-561402FC809B}" srcOrd="1" destOrd="0" presId="urn:microsoft.com/office/officeart/2005/8/layout/hProcess4"/>
     <dgm:cxn modelId="{B889032B-4B7D-446F-BCDA-2E4DB2AC9BD7}" type="presOf" srcId="{3A8F7025-4CC0-46AB-9538-4B25C43DC018}" destId="{326D7B03-5AE7-4EBC-A37B-9B496E9D9B57}" srcOrd="0" destOrd="0" presId="urn:microsoft.com/office/officeart/2005/8/layout/hProcess4"/>
@@ -3397,6 +3434,7 @@
     <dgm:cxn modelId="{C54A53A0-85BB-40D5-B677-7CA30720EC58}" type="presOf" srcId="{82B38AE6-59B0-42C6-849E-81B64E18EAC8}" destId="{76255D2B-603A-4F33-BCA7-70FBFDFD0F99}" srcOrd="0" destOrd="0" presId="urn:microsoft.com/office/officeart/2005/8/layout/hProcess4"/>
     <dgm:cxn modelId="{A6B78CA5-0FB0-4CD8-9486-50A27F13BCBF}" type="presOf" srcId="{A9B7347C-E742-492E-8EB8-385A3873BC16}" destId="{326D7B03-5AE7-4EBC-A37B-9B496E9D9B57}" srcOrd="0" destOrd="1" presId="urn:microsoft.com/office/officeart/2005/8/layout/hProcess4"/>
     <dgm:cxn modelId="{94A901A6-0DCF-4F61-9F76-69E59FDDF353}" srcId="{461B522A-328A-4A18-8239-3424CDC02F18}" destId="{82B38AE6-59B0-42C6-849E-81B64E18EAC8}" srcOrd="0" destOrd="0" parTransId="{466D9454-DA88-48C8-8A8B-2C3B1A25DB5B}" sibTransId="{8B49DEC8-9CC4-43B1-8889-5468824048C7}"/>
+    <dgm:cxn modelId="{23824EB4-0E8F-4B47-90E2-F1CAD06B7FF3}" srcId="{461B522A-328A-4A18-8239-3424CDC02F18}" destId="{38A5E32E-F468-4FA2-A8AE-1F8DFBB7A9BA}" srcOrd="2" destOrd="0" parTransId="{5A7CDFBB-1057-437D-82FA-64AE3F48142A}" sibTransId="{5F148F50-A060-4910-B50E-63B9729FB2ED}"/>
     <dgm:cxn modelId="{189FFEC7-8EE8-4E87-AC2F-F3C33AF81999}" type="presOf" srcId="{E55019F2-0BD3-4045-9C0C-CA64AC223CC2}" destId="{077BFAA4-639D-491B-8BCB-EF4138EE44E8}" srcOrd="0" destOrd="0" presId="urn:microsoft.com/office/officeart/2005/8/layout/hProcess4"/>
     <dgm:cxn modelId="{3DE64CC8-C850-41CA-8CF3-F647D4827944}" srcId="{6AAC8298-F3CC-4A14-8CD6-8C214D232FB9}" destId="{D6911F07-4DB8-4F73-9789-ED5D0C3CFB72}" srcOrd="0" destOrd="0" parTransId="{8EB539BF-A5B1-44CD-9DDF-C8C065EB462A}" sibTransId="{5F7B4AEC-D5AE-48EC-B141-51D8936CA0BD}"/>
     <dgm:cxn modelId="{B1937ECC-1993-49A5-A9E0-2180F893F593}" srcId="{2A036A24-321C-4F3A-9A2B-839FA87CDA4C}" destId="{100C636F-696A-4DFD-A28B-6FA8658A3046}" srcOrd="1" destOrd="0" parTransId="{EC5F1DC4-9113-4627-9BA8-426A2E582C5F}" sibTransId="{B0B98D0E-7391-4FA8-BC47-E64199F8CBE2}"/>
@@ -3405,6 +3443,7 @@
     <dgm:cxn modelId="{C2374DE3-6B63-4CD8-B0C4-B5AFB185C7B8}" srcId="{100C636F-696A-4DFD-A28B-6FA8658A3046}" destId="{3A8F7025-4CC0-46AB-9538-4B25C43DC018}" srcOrd="0" destOrd="0" parTransId="{A497B8A5-8118-47D4-A90E-F6AECF34FC8A}" sibTransId="{74D0B105-1845-41BA-8233-AC8B31EB4687}"/>
     <dgm:cxn modelId="{03F183E8-87DB-41DD-92B7-8CDAE798CFF5}" type="presOf" srcId="{0A5CFC9B-91D1-45CF-A61F-9AD9DDD294DA}" destId="{F9D74800-9BDA-4EB8-82A2-3D7852EB2B0C}" srcOrd="0" destOrd="1" presId="urn:microsoft.com/office/officeart/2005/8/layout/hProcess4"/>
     <dgm:cxn modelId="{5B8ECAF5-263F-4733-8ACB-E9D445424EEA}" type="presOf" srcId="{0A5CFC9B-91D1-45CF-A61F-9AD9DDD294DA}" destId="{4884CC42-9D4E-4148-9150-349AF103609E}" srcOrd="1" destOrd="1" presId="urn:microsoft.com/office/officeart/2005/8/layout/hProcess4"/>
+    <dgm:cxn modelId="{F856D8F7-54B7-4858-AE3A-208FE9C5FA92}" type="presOf" srcId="{38A5E32E-F468-4FA2-A8AE-1F8DFBB7A9BA}" destId="{76255D2B-603A-4F33-BCA7-70FBFDFD0F99}" srcOrd="0" destOrd="2" presId="urn:microsoft.com/office/officeart/2005/8/layout/hProcess4"/>
     <dgm:cxn modelId="{7421E7F8-48EA-422F-B778-A6DA75528435}" type="presOf" srcId="{B0B98D0E-7391-4FA8-BC47-E64199F8CBE2}" destId="{B7A03A6A-79A8-45D5-BFC1-E6C5D31D0AAB}" srcOrd="0" destOrd="0" presId="urn:microsoft.com/office/officeart/2005/8/layout/hProcess4"/>
     <dgm:cxn modelId="{827DD9FB-2E3A-4429-BCBD-62F1718CC873}" type="presOf" srcId="{461B522A-328A-4A18-8239-3424CDC02F18}" destId="{AC5C0965-6B7E-4157-ABBE-26A705CFD620}" srcOrd="0" destOrd="0" presId="urn:microsoft.com/office/officeart/2005/8/layout/hProcess4"/>
     <dgm:cxn modelId="{0C068C85-8961-4D64-B015-D8186525836A}" type="presParOf" srcId="{0B3E907A-2D9C-4B6E-A9AD-BEB91203E7DA}" destId="{9183A183-8D01-4ED8-8A38-58118FE5CAC4}" srcOrd="0" destOrd="0" presId="urn:microsoft.com/office/officeart/2005/8/layout/hProcess4"/>
@@ -5106,7 +5145,7 @@
           </a:pPr>
           <a:r>
             <a:rPr lang="fr-FR" sz="1100" kern="1200" dirty="0"/>
-            <a:t>Mettre à jour et compléter mes connaissances en PHP, MVC et POO</a:t>
+            <a:t>PHP, MVC et POO</a:t>
           </a:r>
         </a:p>
         <a:p>
@@ -5125,6 +5164,24 @@
           <a:r>
             <a:rPr lang="fr-FR" sz="1100" kern="1200" dirty="0"/>
             <a:t>Utilisation de Git</a:t>
+          </a:r>
+        </a:p>
+        <a:p>
+          <a:pPr marL="57150" lvl="1" indent="-57150" algn="l" defTabSz="488950">
+            <a:lnSpc>
+              <a:spcPct val="90000"/>
+            </a:lnSpc>
+            <a:spcBef>
+              <a:spcPct val="0"/>
+            </a:spcBef>
+            <a:spcAft>
+              <a:spcPct val="15000"/>
+            </a:spcAft>
+            <a:buChar char="•"/>
+          </a:pPr>
+          <a:r>
+            <a:rPr lang="fr-FR" sz="1100" kern="1200" dirty="0"/>
+            <a:t>Failles de sécurité</a:t>
           </a:r>
         </a:p>
       </dsp:txBody>
@@ -13695,7 +13752,7 @@
           </a:lstStyle>
           <a:p>
             <a:fld id="{4B230A23-3E98-F64D-859B-DE462771A158}" type="datetimeFigureOut">
-              <a:t>25/04/2019</a:t>
+              <a:t>29/04/2019</a:t>
             </a:fld>
             <a:endParaRPr lang="fr-FR"/>
           </a:p>
@@ -13859,7 +13916,7 @@
           <a:p>
             <a:fld id="{483C2E7E-6F45-49F3-BF92-A0158CBBDDDA}" type="datetimeFigureOut">
               <a:rPr lang="fr-FR" smtClean="0"/>
-              <a:t>25/04/2019</a:t>
+              <a:t>29/04/2019</a:t>
             </a:fld>
             <a:endParaRPr lang="fr-FR"/>
           </a:p>
@@ -14318,7 +14375,7 @@
             <a:fld id="{5BBF241E-D95D-F947-BD40-BA0B1092A59D}" type="datetimeFigureOut">
               <a:rPr lang="fr-FR" smtClean="0"/>
               <a:pPr/>
-              <a:t>25/04/2019</a:t>
+              <a:t>29/04/2019</a:t>
             </a:fld>
             <a:endParaRPr lang="fr-FR"/>
           </a:p>
@@ -14756,7 +14813,7 @@
             <a:fld id="{5BBF241E-D95D-F947-BD40-BA0B1092A59D}" type="datetimeFigureOut">
               <a:rPr lang="fr-FR" smtClean="0"/>
               <a:pPr/>
-              <a:t>25/04/2019</a:t>
+              <a:t>29/04/2019</a:t>
             </a:fld>
             <a:endParaRPr lang="fr-FR"/>
           </a:p>
@@ -15008,7 +15065,7 @@
             <a:fld id="{5BBF241E-D95D-F947-BD40-BA0B1092A59D}" type="datetimeFigureOut">
               <a:rPr lang="fr-FR" smtClean="0"/>
               <a:pPr/>
-              <a:t>25/04/2019</a:t>
+              <a:t>29/04/2019</a:t>
             </a:fld>
             <a:endParaRPr lang="fr-FR"/>
           </a:p>
@@ -15318,7 +15375,7 @@
             <a:fld id="{5BBF241E-D95D-F947-BD40-BA0B1092A59D}" type="datetimeFigureOut">
               <a:rPr lang="fr-FR" smtClean="0"/>
               <a:pPr/>
-              <a:t>25/04/2019</a:t>
+              <a:t>29/04/2019</a:t>
             </a:fld>
             <a:endParaRPr lang="fr-FR"/>
           </a:p>
@@ -15638,7 +15695,7 @@
             <a:fld id="{5BBF241E-D95D-F947-BD40-BA0B1092A59D}" type="datetimeFigureOut">
               <a:rPr lang="fr-FR" smtClean="0"/>
               <a:pPr/>
-              <a:t>25/04/2019</a:t>
+              <a:t>29/04/2019</a:t>
             </a:fld>
             <a:endParaRPr lang="fr-FR"/>
           </a:p>
@@ -15942,7 +15999,7 @@
             <a:fld id="{5BBF241E-D95D-F947-BD40-BA0B1092A59D}" type="datetimeFigureOut">
               <a:rPr lang="fr-FR" smtClean="0"/>
               <a:pPr/>
-              <a:t>25/04/2019</a:t>
+              <a:t>29/04/2019</a:t>
             </a:fld>
             <a:endParaRPr lang="fr-FR"/>
           </a:p>
@@ -16311,7 +16368,7 @@
             <a:fld id="{5BBF241E-D95D-F947-BD40-BA0B1092A59D}" type="datetimeFigureOut">
               <a:rPr lang="fr-FR" smtClean="0"/>
               <a:pPr/>
-              <a:t>25/04/2019</a:t>
+              <a:t>29/04/2019</a:t>
             </a:fld>
             <a:endParaRPr lang="fr-FR"/>
           </a:p>
@@ -16487,7 +16544,7 @@
             <a:fld id="{5BBF241E-D95D-F947-BD40-BA0B1092A59D}" type="datetimeFigureOut">
               <a:rPr lang="fr-FR" smtClean="0"/>
               <a:pPr/>
-              <a:t>25/04/2019</a:t>
+              <a:t>29/04/2019</a:t>
             </a:fld>
             <a:endParaRPr lang="fr-FR"/>
           </a:p>
@@ -16669,7 +16726,7 @@
             <a:fld id="{5BBF241E-D95D-F947-BD40-BA0B1092A59D}" type="datetimeFigureOut">
               <a:rPr lang="fr-FR" smtClean="0"/>
               <a:pPr/>
-              <a:t>25/04/2019</a:t>
+              <a:t>29/04/2019</a:t>
             </a:fld>
             <a:endParaRPr lang="fr-FR"/>
           </a:p>
@@ -16937,7 +16994,7 @@
             <a:fld id="{5BBF241E-D95D-F947-BD40-BA0B1092A59D}" type="datetimeFigureOut">
               <a:rPr lang="fr-FR" smtClean="0"/>
               <a:pPr/>
-              <a:t>25/04/2019</a:t>
+              <a:t>29/04/2019</a:t>
             </a:fld>
             <a:endParaRPr lang="fr-FR"/>
           </a:p>
@@ -17165,7 +17222,7 @@
             <a:fld id="{5BBF241E-D95D-F947-BD40-BA0B1092A59D}" type="datetimeFigureOut">
               <a:rPr lang="fr-FR" smtClean="0"/>
               <a:pPr/>
-              <a:t>25/04/2019</a:t>
+              <a:t>29/04/2019</a:t>
             </a:fld>
             <a:endParaRPr lang="fr-FR"/>
           </a:p>
@@ -17452,7 +17509,7 @@
             <a:fld id="{5BBF241E-D95D-F947-BD40-BA0B1092A59D}" type="datetimeFigureOut">
               <a:rPr lang="fr-FR" smtClean="0"/>
               <a:pPr/>
-              <a:t>25/04/2019</a:t>
+              <a:t>29/04/2019</a:t>
             </a:fld>
             <a:endParaRPr lang="fr-FR"/>
           </a:p>
@@ -17567,7 +17624,7 @@
             <a:fld id="{5BBF241E-D95D-F947-BD40-BA0B1092A59D}" type="datetimeFigureOut">
               <a:rPr lang="fr-FR" smtClean="0"/>
               <a:pPr/>
-              <a:t>25/04/2019</a:t>
+              <a:t>29/04/2019</a:t>
             </a:fld>
             <a:endParaRPr lang="fr-FR"/>
           </a:p>
@@ -17958,7 +18015,7 @@
             <a:fld id="{5BBF241E-D95D-F947-BD40-BA0B1092A59D}" type="datetimeFigureOut">
               <a:rPr lang="fr-FR" smtClean="0"/>
               <a:pPr/>
-              <a:t>25/04/2019</a:t>
+              <a:t>29/04/2019</a:t>
             </a:fld>
             <a:endParaRPr lang="fr-FR"/>
           </a:p>
@@ -18477,7 +18534,7 @@
             <a:fld id="{5BBF241E-D95D-F947-BD40-BA0B1092A59D}" type="datetimeFigureOut">
               <a:rPr lang="fr-FR" smtClean="0"/>
               <a:pPr/>
-              <a:t>25/04/2019</a:t>
+              <a:t>29/04/2019</a:t>
             </a:fld>
             <a:endParaRPr lang="fr-FR"/>
           </a:p>
@@ -18752,7 +18809,7 @@
             <a:fld id="{5BBF241E-D95D-F947-BD40-BA0B1092A59D}" type="datetimeFigureOut">
               <a:rPr lang="fr-FR" smtClean="0"/>
               <a:pPr/>
-              <a:t>25/04/2019</a:t>
+              <a:t>29/04/2019</a:t>
             </a:fld>
             <a:endParaRPr lang="fr-FR"/>
           </a:p>
@@ -19041,7 +19098,7 @@
             <a:fld id="{5BBF241E-D95D-F947-BD40-BA0B1092A59D}" type="datetimeFigureOut">
               <a:rPr lang="fr-FR" smtClean="0"/>
               <a:pPr/>
-              <a:t>25/04/2019</a:t>
+              <a:t>29/04/2019</a:t>
             </a:fld>
             <a:endParaRPr lang="fr-FR"/>
           </a:p>
@@ -19581,7 +19638,7 @@
             <a:fld id="{5BBF241E-D95D-F947-BD40-BA0B1092A59D}" type="datetimeFigureOut">
               <a:rPr lang="fr-FR" smtClean="0"/>
               <a:pPr/>
-              <a:t>25/04/2019</a:t>
+              <a:t>29/04/2019</a:t>
             </a:fld>
             <a:endParaRPr lang="fr-FR"/>
           </a:p>
@@ -19938,7 +19995,7 @@
             <a:fld id="{5BBF241E-D95D-F947-BD40-BA0B1092A59D}" type="datetimeFigureOut">
               <a:rPr lang="fr-FR" smtClean="0"/>
               <a:pPr/>
-              <a:t>25/04/2019</a:t>
+              <a:t>29/04/2019</a:t>
             </a:fld>
             <a:endParaRPr lang="fr-FR"/>
           </a:p>
@@ -20176,7 +20233,7 @@
             <a:fld id="{5BBF241E-D95D-F947-BD40-BA0B1092A59D}" type="datetimeFigureOut">
               <a:rPr lang="fr-FR" smtClean="0"/>
               <a:pPr/>
-              <a:t>25/04/2019</a:t>
+              <a:t>29/04/2019</a:t>
             </a:fld>
             <a:endParaRPr lang="fr-FR"/>
           </a:p>
@@ -20560,7 +20617,7 @@
             <a:fld id="{5BBF241E-D95D-F947-BD40-BA0B1092A59D}" type="datetimeFigureOut">
               <a:rPr lang="fr-FR" smtClean="0"/>
               <a:pPr/>
-              <a:t>25/04/2019</a:t>
+              <a:t>29/04/2019</a:t>
             </a:fld>
             <a:endParaRPr lang="fr-FR"/>
           </a:p>
@@ -20680,7 +20737,7 @@
             <a:fld id="{5BBF241E-D95D-F947-BD40-BA0B1092A59D}" type="datetimeFigureOut">
               <a:rPr lang="fr-FR" smtClean="0"/>
               <a:pPr/>
-              <a:t>25/04/2019</a:t>
+              <a:t>29/04/2019</a:t>
             </a:fld>
             <a:endParaRPr lang="fr-FR"/>
           </a:p>
@@ -20777,7 +20834,7 @@
             <a:fld id="{5BBF241E-D95D-F947-BD40-BA0B1092A59D}" type="datetimeFigureOut">
               <a:rPr lang="fr-FR" smtClean="0"/>
               <a:pPr/>
-              <a:t>25/04/2019</a:t>
+              <a:t>29/04/2019</a:t>
             </a:fld>
             <a:endParaRPr lang="fr-FR"/>
           </a:p>
@@ -21034,7 +21091,7 @@
             <a:fld id="{5BBF241E-D95D-F947-BD40-BA0B1092A59D}" type="datetimeFigureOut">
               <a:rPr lang="fr-FR" smtClean="0"/>
               <a:pPr/>
-              <a:t>25/04/2019</a:t>
+              <a:t>29/04/2019</a:t>
             </a:fld>
             <a:endParaRPr lang="fr-FR"/>
           </a:p>
@@ -21319,7 +21376,7 @@
             <a:fld id="{5BBF241E-D95D-F947-BD40-BA0B1092A59D}" type="datetimeFigureOut">
               <a:rPr lang="fr-FR" smtClean="0"/>
               <a:pPr/>
-              <a:t>25/04/2019</a:t>
+              <a:t>29/04/2019</a:t>
             </a:fld>
             <a:endParaRPr lang="fr-FR"/>
           </a:p>
@@ -21727,7 +21784,7 @@
             <a:fld id="{5BBF241E-D95D-F947-BD40-BA0B1092A59D}" type="datetimeFigureOut">
               <a:rPr lang="fr-FR" smtClean="0"/>
               <a:pPr/>
-              <a:t>25/04/2019</a:t>
+              <a:t>29/04/2019</a:t>
             </a:fld>
             <a:endParaRPr lang="fr-FR"/>
           </a:p>
@@ -23315,6 +23372,318 @@
           </a:p>
         </p:txBody>
       </p:sp>
+      <p:pic>
+        <p:nvPicPr>
+          <p:cNvPr id="3" name="Image 2">
+            <a:extLst>
+              <a:ext uri="{FF2B5EF4-FFF2-40B4-BE49-F238E27FC236}">
+                <a16:creationId xmlns:a16="http://schemas.microsoft.com/office/drawing/2014/main" id="{CE1B24BC-D5C0-4582-8736-3504F3B98E18}"/>
+              </a:ext>
+            </a:extLst>
+          </p:cNvPr>
+          <p:cNvPicPr>
+            <a:picLocks noChangeAspect="1"/>
+          </p:cNvPicPr>
+          <p:nvPr/>
+        </p:nvPicPr>
+        <p:blipFill>
+          <a:blip r:embed="rId2"/>
+          <a:stretch>
+            <a:fillRect/>
+          </a:stretch>
+        </p:blipFill>
+        <p:spPr>
+          <a:xfrm>
+            <a:off x="1127125" y="1016856"/>
+            <a:ext cx="936625" cy="445328"/>
+          </a:xfrm>
+          <a:prstGeom prst="rect">
+            <a:avLst/>
+          </a:prstGeom>
+          <a:ln>
+            <a:noFill/>
+          </a:ln>
+          <a:effectLst>
+            <a:outerShdw blurRad="292100" dist="139700" dir="2700000" algn="tl" rotWithShape="0">
+              <a:srgbClr val="333333">
+                <a:alpha val="65000"/>
+              </a:srgbClr>
+            </a:outerShdw>
+          </a:effectLst>
+        </p:spPr>
+      </p:pic>
+      <p:sp>
+        <p:nvSpPr>
+          <p:cNvPr id="4" name="ZoneTexte 3">
+            <a:extLst>
+              <a:ext uri="{FF2B5EF4-FFF2-40B4-BE49-F238E27FC236}">
+                <a16:creationId xmlns:a16="http://schemas.microsoft.com/office/drawing/2014/main" id="{18070ED4-B63A-4B67-9118-DF7F619A098E}"/>
+              </a:ext>
+            </a:extLst>
+          </p:cNvPr>
+          <p:cNvSpPr txBox="1"/>
+          <p:nvPr/>
+        </p:nvSpPr>
+        <p:spPr>
+          <a:xfrm>
+            <a:off x="2100439" y="1054854"/>
+            <a:ext cx="2019300" cy="369332"/>
+          </a:xfrm>
+          <a:prstGeom prst="rect">
+            <a:avLst/>
+          </a:prstGeom>
+          <a:noFill/>
+        </p:spPr>
+        <p:txBody>
+          <a:bodyPr wrap="square" rtlCol="0">
+            <a:spAutoFit/>
+          </a:bodyPr>
+          <a:lstStyle/>
+          <a:p>
+            <a:r>
+              <a:rPr lang="fr-FR" dirty="0">
+                <a:solidFill>
+                  <a:schemeClr val="bg1"/>
+                </a:solidFill>
+              </a:rPr>
+              <a:t>HTML et CSS</a:t>
+            </a:r>
+          </a:p>
+        </p:txBody>
+      </p:sp>
+      <p:pic>
+        <p:nvPicPr>
+          <p:cNvPr id="6" name="Image 5">
+            <a:hlinkClick r:id="rId3"/>
+            <a:extLst>
+              <a:ext uri="{FF2B5EF4-FFF2-40B4-BE49-F238E27FC236}">
+                <a16:creationId xmlns:a16="http://schemas.microsoft.com/office/drawing/2014/main" id="{5DF8F4B6-E28F-41C7-89CC-88FD0BA072A5}"/>
+              </a:ext>
+            </a:extLst>
+          </p:cNvPr>
+          <p:cNvPicPr>
+            <a:picLocks noChangeAspect="1"/>
+          </p:cNvPicPr>
+          <p:nvPr/>
+        </p:nvPicPr>
+        <p:blipFill>
+          <a:blip r:embed="rId4"/>
+          <a:stretch>
+            <a:fillRect/>
+          </a:stretch>
+        </p:blipFill>
+        <p:spPr>
+          <a:xfrm>
+            <a:off x="6330950" y="1771650"/>
+            <a:ext cx="1022350" cy="1022350"/>
+          </a:xfrm>
+          <a:prstGeom prst="rect">
+            <a:avLst/>
+          </a:prstGeom>
+          <a:ln>
+            <a:noFill/>
+          </a:ln>
+          <a:effectLst>
+            <a:outerShdw blurRad="292100" dist="139700" dir="2700000" algn="tl" rotWithShape="0">
+              <a:srgbClr val="333333">
+                <a:alpha val="65000"/>
+              </a:srgbClr>
+            </a:outerShdw>
+          </a:effectLst>
+        </p:spPr>
+      </p:pic>
+      <p:sp>
+        <p:nvSpPr>
+          <p:cNvPr id="7" name="ZoneTexte 6">
+            <a:extLst>
+              <a:ext uri="{FF2B5EF4-FFF2-40B4-BE49-F238E27FC236}">
+                <a16:creationId xmlns:a16="http://schemas.microsoft.com/office/drawing/2014/main" id="{05C91A6F-E4BB-42C2-814C-82A3A6A13DAA}"/>
+              </a:ext>
+            </a:extLst>
+          </p:cNvPr>
+          <p:cNvSpPr txBox="1"/>
+          <p:nvPr/>
+        </p:nvSpPr>
+        <p:spPr>
+          <a:xfrm>
+            <a:off x="5370512" y="2912646"/>
+            <a:ext cx="2943225" cy="338554"/>
+          </a:xfrm>
+          <a:prstGeom prst="rect">
+            <a:avLst/>
+          </a:prstGeom>
+          <a:noFill/>
+        </p:spPr>
+        <p:txBody>
+          <a:bodyPr wrap="square" rtlCol="0">
+            <a:spAutoFit/>
+          </a:bodyPr>
+          <a:lstStyle/>
+          <a:p>
+            <a:r>
+              <a:rPr lang="fr-FR" sz="1600" dirty="0">
+                <a:solidFill>
+                  <a:schemeClr val="bg1"/>
+                </a:solidFill>
+              </a:rPr>
+              <a:t>Code PHP (PSR-1, PSR-2, …)</a:t>
+            </a:r>
+          </a:p>
+        </p:txBody>
+      </p:sp>
+      <p:sp>
+        <p:nvSpPr>
+          <p:cNvPr id="8" name="ZoneTexte 7">
+            <a:extLst>
+              <a:ext uri="{FF2B5EF4-FFF2-40B4-BE49-F238E27FC236}">
+                <a16:creationId xmlns:a16="http://schemas.microsoft.com/office/drawing/2014/main" id="{871C3687-854E-4CA8-87AD-D916AC1AA2BB}"/>
+              </a:ext>
+            </a:extLst>
+          </p:cNvPr>
+          <p:cNvSpPr txBox="1"/>
+          <p:nvPr/>
+        </p:nvSpPr>
+        <p:spPr>
+          <a:xfrm>
+            <a:off x="5408611" y="3441700"/>
+            <a:ext cx="2867025" cy="1015663"/>
+          </a:xfrm>
+          <a:prstGeom prst="rect">
+            <a:avLst/>
+          </a:prstGeom>
+          <a:noFill/>
+        </p:spPr>
+        <p:txBody>
+          <a:bodyPr wrap="square" rtlCol="0">
+            <a:spAutoFit/>
+          </a:bodyPr>
+          <a:lstStyle/>
+          <a:p>
+            <a:pPr marL="342900" indent="-342900">
+              <a:buFont typeface="Wingdings" panose="05000000000000000000" pitchFamily="2" charset="2"/>
+              <a:buChar char="v"/>
+            </a:pPr>
+            <a:r>
+              <a:rPr lang="fr-FR" sz="1200" dirty="0">
+                <a:solidFill>
+                  <a:schemeClr val="bg1"/>
+                </a:solidFill>
+              </a:rPr>
+              <a:t>Tags PHP (&lt;?</a:t>
+            </a:r>
+            <a:r>
+              <a:rPr lang="fr-FR" sz="1200" dirty="0" err="1">
+                <a:solidFill>
+                  <a:schemeClr val="bg1"/>
+                </a:solidFill>
+              </a:rPr>
+              <a:t>php</a:t>
+            </a:r>
+            <a:r>
+              <a:rPr lang="fr-FR" sz="1200" dirty="0">
+                <a:solidFill>
+                  <a:schemeClr val="bg1"/>
+                </a:solidFill>
+              </a:rPr>
+              <a:t> et ?&gt;)</a:t>
+            </a:r>
+          </a:p>
+          <a:p>
+            <a:pPr marL="342900" indent="-342900">
+              <a:buFont typeface="Wingdings" panose="05000000000000000000" pitchFamily="2" charset="2"/>
+              <a:buChar char="v"/>
+            </a:pPr>
+            <a:r>
+              <a:rPr lang="fr-FR" sz="1200" dirty="0">
+                <a:solidFill>
+                  <a:schemeClr val="bg1"/>
+                </a:solidFill>
+              </a:rPr>
+              <a:t>Noms des classes et fonctions</a:t>
+            </a:r>
+          </a:p>
+          <a:p>
+            <a:pPr marL="342900" indent="-342900">
+              <a:buFont typeface="Wingdings" panose="05000000000000000000" pitchFamily="2" charset="2"/>
+              <a:buChar char="v"/>
+            </a:pPr>
+            <a:r>
+              <a:rPr lang="fr-FR" sz="1200" dirty="0">
+                <a:solidFill>
+                  <a:schemeClr val="bg1"/>
+                </a:solidFill>
+              </a:rPr>
+              <a:t>Failles de sécurité (</a:t>
+            </a:r>
+            <a:r>
+              <a:rPr lang="fr-FR" sz="1200" dirty="0" err="1">
+                <a:solidFill>
+                  <a:schemeClr val="bg1"/>
+                </a:solidFill>
+              </a:rPr>
+              <a:t>Twig</a:t>
+            </a:r>
+            <a:r>
+              <a:rPr lang="fr-FR" sz="1200" dirty="0">
+                <a:solidFill>
+                  <a:schemeClr val="bg1"/>
+                </a:solidFill>
+              </a:rPr>
+              <a:t>, requêtes préparées, captcha)</a:t>
+            </a:r>
+          </a:p>
+          <a:p>
+            <a:pPr marL="342900" indent="-342900">
+              <a:buFont typeface="Wingdings" panose="05000000000000000000" pitchFamily="2" charset="2"/>
+              <a:buChar char="v"/>
+            </a:pPr>
+            <a:endParaRPr lang="fr-FR" sz="1200" dirty="0">
+              <a:solidFill>
+                <a:schemeClr val="bg1"/>
+              </a:solidFill>
+            </a:endParaRPr>
+          </a:p>
+        </p:txBody>
+      </p:sp>
+      <p:pic>
+        <p:nvPicPr>
+          <p:cNvPr id="9" name="Image 8">
+            <a:extLst>
+              <a:ext uri="{FF2B5EF4-FFF2-40B4-BE49-F238E27FC236}">
+                <a16:creationId xmlns:a16="http://schemas.microsoft.com/office/drawing/2014/main" id="{58AD0579-8EE5-4676-9428-8BEA478C0B42}"/>
+              </a:ext>
+            </a:extLst>
+          </p:cNvPr>
+          <p:cNvPicPr>
+            <a:picLocks noChangeAspect="1"/>
+          </p:cNvPicPr>
+          <p:nvPr/>
+        </p:nvPicPr>
+        <p:blipFill rotWithShape="1">
+          <a:blip r:embed="rId5"/>
+          <a:srcRect l="3379" t="15432" r="37709" b="10247"/>
+          <a:stretch/>
+        </p:blipFill>
+        <p:spPr>
+          <a:xfrm>
+            <a:off x="201083" y="1746250"/>
+            <a:ext cx="4411541" cy="3130550"/>
+          </a:xfrm>
+          <a:prstGeom prst="rect">
+            <a:avLst/>
+          </a:prstGeom>
+          <a:ln>
+            <a:noFill/>
+          </a:ln>
+          <a:effectLst>
+            <a:outerShdw blurRad="292100" dist="139700" dir="2700000" algn="tl" rotWithShape="0">
+              <a:srgbClr val="333333">
+                <a:alpha val="65000"/>
+              </a:srgbClr>
+            </a:outerShdw>
+          </a:effectLst>
+        </p:spPr>
+      </p:pic>
     </p:spTree>
     <p:extLst>
       <p:ext uri="{BB962C8B-B14F-4D97-AF65-F5344CB8AC3E}">
@@ -24816,7 +25185,7 @@
           <p:nvPr>
             <p:extLst>
               <p:ext uri="{D42A27DB-BD31-4B8C-83A1-F6EECF244321}">
-                <p14:modId xmlns:p14="http://schemas.microsoft.com/office/powerpoint/2010/main" val="976953557"/>
+                <p14:modId xmlns:p14="http://schemas.microsoft.com/office/powerpoint/2010/main" val="3371430016"/>
               </p:ext>
             </p:extLst>
           </p:nvPr>

--- a/presentation_P5.pptx
+++ b/presentation_P5.pptx
@@ -23474,8 +23474,8 @@
         </p:blipFill>
         <p:spPr>
           <a:xfrm>
-            <a:off x="6330950" y="1771650"/>
-            <a:ext cx="1022350" cy="1022350"/>
+            <a:off x="6507953" y="4008436"/>
+            <a:ext cx="868364" cy="868364"/>
           </a:xfrm>
           <a:prstGeom prst="rect">
             <a:avLst/>
@@ -23506,7 +23506,7 @@
         </p:nvSpPr>
         <p:spPr>
           <a:xfrm>
-            <a:off x="5370512" y="2912646"/>
+            <a:off x="5465761" y="2233196"/>
             <a:ext cx="2943225" cy="338554"/>
           </a:xfrm>
           <a:prstGeom prst="rect">
@@ -23545,7 +23545,7 @@
         </p:nvSpPr>
         <p:spPr>
           <a:xfrm>
-            <a:off x="5408611" y="3441700"/>
+            <a:off x="5561011" y="2571750"/>
             <a:ext cx="2867025" cy="1015663"/>
           </a:xfrm>
           <a:prstGeom prst="rect">
@@ -23682,6 +23682,36 @@
               </a:srgbClr>
             </a:outerShdw>
           </a:effectLst>
+        </p:spPr>
+      </p:pic>
+      <p:pic>
+        <p:nvPicPr>
+          <p:cNvPr id="11" name="Image 10">
+            <a:hlinkClick r:id="rId6"/>
+            <a:extLst>
+              <a:ext uri="{FF2B5EF4-FFF2-40B4-BE49-F238E27FC236}">
+                <a16:creationId xmlns:a16="http://schemas.microsoft.com/office/drawing/2014/main" id="{700A63B3-3D89-49DF-B287-B4034C53F21E}"/>
+              </a:ext>
+            </a:extLst>
+          </p:cNvPr>
+          <p:cNvPicPr>
+            <a:picLocks noChangeAspect="1"/>
+          </p:cNvPicPr>
+          <p:nvPr/>
+        </p:nvPicPr>
+        <p:blipFill rotWithShape="1">
+          <a:blip r:embed="rId7"/>
+          <a:srcRect t="27779" b="26222"/>
+          <a:stretch/>
+        </p:blipFill>
+        <p:spPr>
+          <a:xfrm>
+            <a:off x="5711029" y="1470544"/>
+            <a:ext cx="2262188" cy="686115"/>
+          </a:xfrm>
+          <a:prstGeom prst="rect">
+            <a:avLst/>
+          </a:prstGeom>
         </p:spPr>
       </p:pic>
     </p:spTree>

--- a/presentation_P5.pptx
+++ b/presentation_P5.pptx
@@ -25317,7 +25317,7 @@
           <a:p>
             <a:r>
               <a:rPr lang="fr-FR" dirty="0"/>
-              <a:t>En local</a:t>
+              <a:t>En ligne</a:t>
             </a:r>
           </a:p>
         </p:txBody>
